--- a/Prezentatsia_na_zaschitu_Bessmertnykh_I_V_IKBO-30-20.pptx
+++ b/Prezentatsia_na_zaschitu_Bessmertnykh_I_V_IKBO-30-20.pptx
@@ -207,7 +207,7 @@
           <a:p>
             <a:fld id="{ED05C4E2-9FAA-446B-A9B4-D691A7868098}" type="datetimeFigureOut">
               <a:rPr lang="ru-RU" smtClean="0"/>
-              <a:t>26.11.2022</a:t>
+              <a:t>09.12.2022</a:t>
             </a:fld>
             <a:endParaRPr lang="ru-RU"/>
           </a:p>
@@ -496,7 +496,7 @@
           <p:cNvPr id="2" name="Заголовок 1">
             <a:extLst>
               <a:ext uri="{FF2B5EF4-FFF2-40B4-BE49-F238E27FC236}">
-                <a16:creationId xmlns:a16="http://schemas.microsoft.com/office/drawing/2014/main" id="{FC1B816B-1266-4760-9D7C-E1B4B60A6B84}"/>
+                <a16:creationId xmlns:a16="http://schemas.microsoft.com/office/drawing/2014/main" xmlns="" id="{FC1B816B-1266-4760-9D7C-E1B4B60A6B84}"/>
               </a:ext>
             </a:extLst>
           </p:cNvPr>
@@ -533,7 +533,7 @@
           <p:cNvPr id="3" name="Подзаголовок 2">
             <a:extLst>
               <a:ext uri="{FF2B5EF4-FFF2-40B4-BE49-F238E27FC236}">
-                <a16:creationId xmlns:a16="http://schemas.microsoft.com/office/drawing/2014/main" id="{6E2F847F-1369-49E7-A4AC-8FB4518E5A82}"/>
+                <a16:creationId xmlns:a16="http://schemas.microsoft.com/office/drawing/2014/main" xmlns="" id="{6E2F847F-1369-49E7-A4AC-8FB4518E5A82}"/>
               </a:ext>
             </a:extLst>
           </p:cNvPr>
@@ -603,7 +603,7 @@
           <p:cNvPr id="4" name="Дата 3">
             <a:extLst>
               <a:ext uri="{FF2B5EF4-FFF2-40B4-BE49-F238E27FC236}">
-                <a16:creationId xmlns:a16="http://schemas.microsoft.com/office/drawing/2014/main" id="{062418A2-ADCB-4E4D-8618-0BA0BE6B860F}"/>
+                <a16:creationId xmlns:a16="http://schemas.microsoft.com/office/drawing/2014/main" xmlns="" id="{062418A2-ADCB-4E4D-8618-0BA0BE6B860F}"/>
               </a:ext>
             </a:extLst>
           </p:cNvPr>
@@ -621,7 +621,7 @@
           <a:p>
             <a:fld id="{B507F20B-A1D9-432A-9C8C-9B5B70972D48}" type="datetime1">
               <a:rPr lang="ru-RU" smtClean="0"/>
-              <a:t>26.11.2022</a:t>
+              <a:t>09.12.2022</a:t>
             </a:fld>
             <a:endParaRPr lang="ru-RU"/>
           </a:p>
@@ -632,7 +632,7 @@
           <p:cNvPr id="5" name="Нижний колонтитул 4">
             <a:extLst>
               <a:ext uri="{FF2B5EF4-FFF2-40B4-BE49-F238E27FC236}">
-                <a16:creationId xmlns:a16="http://schemas.microsoft.com/office/drawing/2014/main" id="{1BCD5000-14BA-446F-87F8-48C5D1A8BBB2}"/>
+                <a16:creationId xmlns:a16="http://schemas.microsoft.com/office/drawing/2014/main" xmlns="" id="{1BCD5000-14BA-446F-87F8-48C5D1A8BBB2}"/>
               </a:ext>
             </a:extLst>
           </p:cNvPr>
@@ -657,7 +657,7 @@
           <p:cNvPr id="6" name="Номер слайда 5">
             <a:extLst>
               <a:ext uri="{FF2B5EF4-FFF2-40B4-BE49-F238E27FC236}">
-                <a16:creationId xmlns:a16="http://schemas.microsoft.com/office/drawing/2014/main" id="{7AFBB80C-5F6D-4579-B715-D7E0CC8FBCEA}"/>
+                <a16:creationId xmlns:a16="http://schemas.microsoft.com/office/drawing/2014/main" xmlns="" id="{7AFBB80C-5F6D-4579-B715-D7E0CC8FBCEA}"/>
               </a:ext>
             </a:extLst>
           </p:cNvPr>
@@ -719,7 +719,7 @@
           <p:cNvPr id="2" name="Заголовок 1">
             <a:extLst>
               <a:ext uri="{FF2B5EF4-FFF2-40B4-BE49-F238E27FC236}">
-                <a16:creationId xmlns:a16="http://schemas.microsoft.com/office/drawing/2014/main" id="{E1435557-439F-4443-A9C5-C847D5B4BBA3}"/>
+                <a16:creationId xmlns:a16="http://schemas.microsoft.com/office/drawing/2014/main" xmlns="" id="{E1435557-439F-4443-A9C5-C847D5B4BBA3}"/>
               </a:ext>
             </a:extLst>
           </p:cNvPr>
@@ -747,7 +747,7 @@
           <p:cNvPr id="3" name="Вертикальный текст 2">
             <a:extLst>
               <a:ext uri="{FF2B5EF4-FFF2-40B4-BE49-F238E27FC236}">
-                <a16:creationId xmlns:a16="http://schemas.microsoft.com/office/drawing/2014/main" id="{B114F637-39D8-4673-AAB7-71DCB96E1077}"/>
+                <a16:creationId xmlns:a16="http://schemas.microsoft.com/office/drawing/2014/main" xmlns="" id="{B114F637-39D8-4673-AAB7-71DCB96E1077}"/>
               </a:ext>
             </a:extLst>
           </p:cNvPr>
@@ -804,7 +804,7 @@
           <p:cNvPr id="4" name="Дата 3">
             <a:extLst>
               <a:ext uri="{FF2B5EF4-FFF2-40B4-BE49-F238E27FC236}">
-                <a16:creationId xmlns:a16="http://schemas.microsoft.com/office/drawing/2014/main" id="{4923B69A-4900-4169-A640-2C67128C06F8}"/>
+                <a16:creationId xmlns:a16="http://schemas.microsoft.com/office/drawing/2014/main" xmlns="" id="{4923B69A-4900-4169-A640-2C67128C06F8}"/>
               </a:ext>
             </a:extLst>
           </p:cNvPr>
@@ -822,7 +822,7 @@
           <a:p>
             <a:fld id="{FA9225B8-39E9-43F8-A61A-04BD2EB41EE2}" type="datetime1">
               <a:rPr lang="ru-RU" smtClean="0"/>
-              <a:t>26.11.2022</a:t>
+              <a:t>09.12.2022</a:t>
             </a:fld>
             <a:endParaRPr lang="ru-RU"/>
           </a:p>
@@ -833,7 +833,7 @@
           <p:cNvPr id="5" name="Нижний колонтитул 4">
             <a:extLst>
               <a:ext uri="{FF2B5EF4-FFF2-40B4-BE49-F238E27FC236}">
-                <a16:creationId xmlns:a16="http://schemas.microsoft.com/office/drawing/2014/main" id="{F94F406A-C386-4A09-BE8B-30978946AB9A}"/>
+                <a16:creationId xmlns:a16="http://schemas.microsoft.com/office/drawing/2014/main" xmlns="" id="{F94F406A-C386-4A09-BE8B-30978946AB9A}"/>
               </a:ext>
             </a:extLst>
           </p:cNvPr>
@@ -858,7 +858,7 @@
           <p:cNvPr id="6" name="Номер слайда 5">
             <a:extLst>
               <a:ext uri="{FF2B5EF4-FFF2-40B4-BE49-F238E27FC236}">
-                <a16:creationId xmlns:a16="http://schemas.microsoft.com/office/drawing/2014/main" id="{9BDEE28B-398A-42B2-A7D2-69420719DF32}"/>
+                <a16:creationId xmlns:a16="http://schemas.microsoft.com/office/drawing/2014/main" xmlns="" id="{9BDEE28B-398A-42B2-A7D2-69420719DF32}"/>
               </a:ext>
             </a:extLst>
           </p:cNvPr>
@@ -920,7 +920,7 @@
           <p:cNvPr id="2" name="Вертикальный заголовок 1">
             <a:extLst>
               <a:ext uri="{FF2B5EF4-FFF2-40B4-BE49-F238E27FC236}">
-                <a16:creationId xmlns:a16="http://schemas.microsoft.com/office/drawing/2014/main" id="{1BBB240D-9498-4928-B9CE-99D1D0791D9E}"/>
+                <a16:creationId xmlns:a16="http://schemas.microsoft.com/office/drawing/2014/main" xmlns="" id="{1BBB240D-9498-4928-B9CE-99D1D0791D9E}"/>
               </a:ext>
             </a:extLst>
           </p:cNvPr>
@@ -953,7 +953,7 @@
           <p:cNvPr id="3" name="Вертикальный текст 2">
             <a:extLst>
               <a:ext uri="{FF2B5EF4-FFF2-40B4-BE49-F238E27FC236}">
-                <a16:creationId xmlns:a16="http://schemas.microsoft.com/office/drawing/2014/main" id="{30D6216A-C5D3-4E4C-B73D-AD79C24DCDF4}"/>
+                <a16:creationId xmlns:a16="http://schemas.microsoft.com/office/drawing/2014/main" xmlns="" id="{30D6216A-C5D3-4E4C-B73D-AD79C24DCDF4}"/>
               </a:ext>
             </a:extLst>
           </p:cNvPr>
@@ -1015,7 +1015,7 @@
           <p:cNvPr id="4" name="Дата 3">
             <a:extLst>
               <a:ext uri="{FF2B5EF4-FFF2-40B4-BE49-F238E27FC236}">
-                <a16:creationId xmlns:a16="http://schemas.microsoft.com/office/drawing/2014/main" id="{E0835F2C-01E8-4B22-9F38-4FDBF5B9DD14}"/>
+                <a16:creationId xmlns:a16="http://schemas.microsoft.com/office/drawing/2014/main" xmlns="" id="{E0835F2C-01E8-4B22-9F38-4FDBF5B9DD14}"/>
               </a:ext>
             </a:extLst>
           </p:cNvPr>
@@ -1033,7 +1033,7 @@
           <a:p>
             <a:fld id="{9CA3819F-41D7-4632-8E79-42420957D3C6}" type="datetime1">
               <a:rPr lang="ru-RU" smtClean="0"/>
-              <a:t>26.11.2022</a:t>
+              <a:t>09.12.2022</a:t>
             </a:fld>
             <a:endParaRPr lang="ru-RU"/>
           </a:p>
@@ -1044,7 +1044,7 @@
           <p:cNvPr id="5" name="Нижний колонтитул 4">
             <a:extLst>
               <a:ext uri="{FF2B5EF4-FFF2-40B4-BE49-F238E27FC236}">
-                <a16:creationId xmlns:a16="http://schemas.microsoft.com/office/drawing/2014/main" id="{6DA5F875-98DA-4655-98ED-DD7D6498C318}"/>
+                <a16:creationId xmlns:a16="http://schemas.microsoft.com/office/drawing/2014/main" xmlns="" id="{6DA5F875-98DA-4655-98ED-DD7D6498C318}"/>
               </a:ext>
             </a:extLst>
           </p:cNvPr>
@@ -1069,7 +1069,7 @@
           <p:cNvPr id="6" name="Номер слайда 5">
             <a:extLst>
               <a:ext uri="{FF2B5EF4-FFF2-40B4-BE49-F238E27FC236}">
-                <a16:creationId xmlns:a16="http://schemas.microsoft.com/office/drawing/2014/main" id="{7202E5BE-DE74-4498-B160-94ED137EA324}"/>
+                <a16:creationId xmlns:a16="http://schemas.microsoft.com/office/drawing/2014/main" xmlns="" id="{7202E5BE-DE74-4498-B160-94ED137EA324}"/>
               </a:ext>
             </a:extLst>
           </p:cNvPr>
@@ -1131,7 +1131,7 @@
           <p:cNvPr id="2" name="Заголовок 1">
             <a:extLst>
               <a:ext uri="{FF2B5EF4-FFF2-40B4-BE49-F238E27FC236}">
-                <a16:creationId xmlns:a16="http://schemas.microsoft.com/office/drawing/2014/main" id="{3E608CF6-347C-40C7-8E9D-979C3C310A1A}"/>
+                <a16:creationId xmlns:a16="http://schemas.microsoft.com/office/drawing/2014/main" xmlns="" id="{3E608CF6-347C-40C7-8E9D-979C3C310A1A}"/>
               </a:ext>
             </a:extLst>
           </p:cNvPr>
@@ -1159,7 +1159,7 @@
           <p:cNvPr id="3" name="Объект 2">
             <a:extLst>
               <a:ext uri="{FF2B5EF4-FFF2-40B4-BE49-F238E27FC236}">
-                <a16:creationId xmlns:a16="http://schemas.microsoft.com/office/drawing/2014/main" id="{E8419F46-74EE-4ECD-90E9-BEF3D5A52637}"/>
+                <a16:creationId xmlns:a16="http://schemas.microsoft.com/office/drawing/2014/main" xmlns="" id="{E8419F46-74EE-4ECD-90E9-BEF3D5A52637}"/>
               </a:ext>
             </a:extLst>
           </p:cNvPr>
@@ -1216,7 +1216,7 @@
           <p:cNvPr id="4" name="Дата 3">
             <a:extLst>
               <a:ext uri="{FF2B5EF4-FFF2-40B4-BE49-F238E27FC236}">
-                <a16:creationId xmlns:a16="http://schemas.microsoft.com/office/drawing/2014/main" id="{12F4DE3F-EA8E-46CA-976B-CFBDC2BF27BF}"/>
+                <a16:creationId xmlns:a16="http://schemas.microsoft.com/office/drawing/2014/main" xmlns="" id="{12F4DE3F-EA8E-46CA-976B-CFBDC2BF27BF}"/>
               </a:ext>
             </a:extLst>
           </p:cNvPr>
@@ -1234,7 +1234,7 @@
           <a:p>
             <a:fld id="{374D1819-D422-4254-9B82-6DF78CEDE882}" type="datetime1">
               <a:rPr lang="ru-RU" smtClean="0"/>
-              <a:t>26.11.2022</a:t>
+              <a:t>09.12.2022</a:t>
             </a:fld>
             <a:endParaRPr lang="ru-RU"/>
           </a:p>
@@ -1245,7 +1245,7 @@
           <p:cNvPr id="5" name="Нижний колонтитул 4">
             <a:extLst>
               <a:ext uri="{FF2B5EF4-FFF2-40B4-BE49-F238E27FC236}">
-                <a16:creationId xmlns:a16="http://schemas.microsoft.com/office/drawing/2014/main" id="{38892F1C-B4DA-48AE-9025-7CD88C550B6A}"/>
+                <a16:creationId xmlns:a16="http://schemas.microsoft.com/office/drawing/2014/main" xmlns="" id="{38892F1C-B4DA-48AE-9025-7CD88C550B6A}"/>
               </a:ext>
             </a:extLst>
           </p:cNvPr>
@@ -1270,7 +1270,7 @@
           <p:cNvPr id="6" name="Номер слайда 5">
             <a:extLst>
               <a:ext uri="{FF2B5EF4-FFF2-40B4-BE49-F238E27FC236}">
-                <a16:creationId xmlns:a16="http://schemas.microsoft.com/office/drawing/2014/main" id="{5DCA3FEB-2476-42BE-82FE-8DD987624E8F}"/>
+                <a16:creationId xmlns:a16="http://schemas.microsoft.com/office/drawing/2014/main" xmlns="" id="{5DCA3FEB-2476-42BE-82FE-8DD987624E8F}"/>
               </a:ext>
             </a:extLst>
           </p:cNvPr>
@@ -1332,7 +1332,7 @@
           <p:cNvPr id="2" name="Заголовок 1">
             <a:extLst>
               <a:ext uri="{FF2B5EF4-FFF2-40B4-BE49-F238E27FC236}">
-                <a16:creationId xmlns:a16="http://schemas.microsoft.com/office/drawing/2014/main" id="{5BA08665-D659-41DA-A1F3-6197330282C6}"/>
+                <a16:creationId xmlns:a16="http://schemas.microsoft.com/office/drawing/2014/main" xmlns="" id="{5BA08665-D659-41DA-A1F3-6197330282C6}"/>
               </a:ext>
             </a:extLst>
           </p:cNvPr>
@@ -1369,7 +1369,7 @@
           <p:cNvPr id="3" name="Текст 2">
             <a:extLst>
               <a:ext uri="{FF2B5EF4-FFF2-40B4-BE49-F238E27FC236}">
-                <a16:creationId xmlns:a16="http://schemas.microsoft.com/office/drawing/2014/main" id="{6D4D3399-2872-44E0-95F7-4420D13B4ED2}"/>
+                <a16:creationId xmlns:a16="http://schemas.microsoft.com/office/drawing/2014/main" xmlns="" id="{6D4D3399-2872-44E0-95F7-4420D13B4ED2}"/>
               </a:ext>
             </a:extLst>
           </p:cNvPr>
@@ -1494,7 +1494,7 @@
           <p:cNvPr id="4" name="Дата 3">
             <a:extLst>
               <a:ext uri="{FF2B5EF4-FFF2-40B4-BE49-F238E27FC236}">
-                <a16:creationId xmlns:a16="http://schemas.microsoft.com/office/drawing/2014/main" id="{1D60D24D-6FC3-4393-93BE-F4D290139AB5}"/>
+                <a16:creationId xmlns:a16="http://schemas.microsoft.com/office/drawing/2014/main" xmlns="" id="{1D60D24D-6FC3-4393-93BE-F4D290139AB5}"/>
               </a:ext>
             </a:extLst>
           </p:cNvPr>
@@ -1512,7 +1512,7 @@
           <a:p>
             <a:fld id="{8283EACA-4F86-4A24-A068-5E9097A46687}" type="datetime1">
               <a:rPr lang="ru-RU" smtClean="0"/>
-              <a:t>26.11.2022</a:t>
+              <a:t>09.12.2022</a:t>
             </a:fld>
             <a:endParaRPr lang="ru-RU"/>
           </a:p>
@@ -1523,7 +1523,7 @@
           <p:cNvPr id="5" name="Нижний колонтитул 4">
             <a:extLst>
               <a:ext uri="{FF2B5EF4-FFF2-40B4-BE49-F238E27FC236}">
-                <a16:creationId xmlns:a16="http://schemas.microsoft.com/office/drawing/2014/main" id="{B6E4D76B-9353-45A7-96FA-9AD40F4C8B6A}"/>
+                <a16:creationId xmlns:a16="http://schemas.microsoft.com/office/drawing/2014/main" xmlns="" id="{B6E4D76B-9353-45A7-96FA-9AD40F4C8B6A}"/>
               </a:ext>
             </a:extLst>
           </p:cNvPr>
@@ -1548,7 +1548,7 @@
           <p:cNvPr id="6" name="Номер слайда 5">
             <a:extLst>
               <a:ext uri="{FF2B5EF4-FFF2-40B4-BE49-F238E27FC236}">
-                <a16:creationId xmlns:a16="http://schemas.microsoft.com/office/drawing/2014/main" id="{C9500891-080A-4051-A59D-FCCE4F13FF17}"/>
+                <a16:creationId xmlns:a16="http://schemas.microsoft.com/office/drawing/2014/main" xmlns="" id="{C9500891-080A-4051-A59D-FCCE4F13FF17}"/>
               </a:ext>
             </a:extLst>
           </p:cNvPr>
@@ -1610,7 +1610,7 @@
           <p:cNvPr id="2" name="Заголовок 1">
             <a:extLst>
               <a:ext uri="{FF2B5EF4-FFF2-40B4-BE49-F238E27FC236}">
-                <a16:creationId xmlns:a16="http://schemas.microsoft.com/office/drawing/2014/main" id="{D0B009A7-9379-41F8-A78D-C6C0187209E1}"/>
+                <a16:creationId xmlns:a16="http://schemas.microsoft.com/office/drawing/2014/main" xmlns="" id="{D0B009A7-9379-41F8-A78D-C6C0187209E1}"/>
               </a:ext>
             </a:extLst>
           </p:cNvPr>
@@ -1638,7 +1638,7 @@
           <p:cNvPr id="3" name="Объект 2">
             <a:extLst>
               <a:ext uri="{FF2B5EF4-FFF2-40B4-BE49-F238E27FC236}">
-                <a16:creationId xmlns:a16="http://schemas.microsoft.com/office/drawing/2014/main" id="{7E656968-5334-484A-A8C9-1AED20BC0556}"/>
+                <a16:creationId xmlns:a16="http://schemas.microsoft.com/office/drawing/2014/main" xmlns="" id="{7E656968-5334-484A-A8C9-1AED20BC0556}"/>
               </a:ext>
             </a:extLst>
           </p:cNvPr>
@@ -1700,7 +1700,7 @@
           <p:cNvPr id="4" name="Объект 3">
             <a:extLst>
               <a:ext uri="{FF2B5EF4-FFF2-40B4-BE49-F238E27FC236}">
-                <a16:creationId xmlns:a16="http://schemas.microsoft.com/office/drawing/2014/main" id="{4B84E6C4-EA91-46F1-A022-3FF71AEFEC35}"/>
+                <a16:creationId xmlns:a16="http://schemas.microsoft.com/office/drawing/2014/main" xmlns="" id="{4B84E6C4-EA91-46F1-A022-3FF71AEFEC35}"/>
               </a:ext>
             </a:extLst>
           </p:cNvPr>
@@ -1762,7 +1762,7 @@
           <p:cNvPr id="5" name="Дата 4">
             <a:extLst>
               <a:ext uri="{FF2B5EF4-FFF2-40B4-BE49-F238E27FC236}">
-                <a16:creationId xmlns:a16="http://schemas.microsoft.com/office/drawing/2014/main" id="{196B9287-AEE1-4A58-997A-FBDE2B0C5E82}"/>
+                <a16:creationId xmlns:a16="http://schemas.microsoft.com/office/drawing/2014/main" xmlns="" id="{196B9287-AEE1-4A58-997A-FBDE2B0C5E82}"/>
               </a:ext>
             </a:extLst>
           </p:cNvPr>
@@ -1780,7 +1780,7 @@
           <a:p>
             <a:fld id="{B919B7D5-A8CE-4EE9-99F3-CFAC11CE775E}" type="datetime1">
               <a:rPr lang="ru-RU" smtClean="0"/>
-              <a:t>26.11.2022</a:t>
+              <a:t>09.12.2022</a:t>
             </a:fld>
             <a:endParaRPr lang="ru-RU"/>
           </a:p>
@@ -1791,7 +1791,7 @@
           <p:cNvPr id="6" name="Нижний колонтитул 5">
             <a:extLst>
               <a:ext uri="{FF2B5EF4-FFF2-40B4-BE49-F238E27FC236}">
-                <a16:creationId xmlns:a16="http://schemas.microsoft.com/office/drawing/2014/main" id="{DAA8C1E3-ABC9-41CC-B8A8-781233B9F36E}"/>
+                <a16:creationId xmlns:a16="http://schemas.microsoft.com/office/drawing/2014/main" xmlns="" id="{DAA8C1E3-ABC9-41CC-B8A8-781233B9F36E}"/>
               </a:ext>
             </a:extLst>
           </p:cNvPr>
@@ -1816,7 +1816,7 @@
           <p:cNvPr id="7" name="Номер слайда 6">
             <a:extLst>
               <a:ext uri="{FF2B5EF4-FFF2-40B4-BE49-F238E27FC236}">
-                <a16:creationId xmlns:a16="http://schemas.microsoft.com/office/drawing/2014/main" id="{F38D855A-4B9E-4DF3-983A-F8118819E4EC}"/>
+                <a16:creationId xmlns:a16="http://schemas.microsoft.com/office/drawing/2014/main" xmlns="" id="{F38D855A-4B9E-4DF3-983A-F8118819E4EC}"/>
               </a:ext>
             </a:extLst>
           </p:cNvPr>
@@ -1878,7 +1878,7 @@
           <p:cNvPr id="2" name="Заголовок 1">
             <a:extLst>
               <a:ext uri="{FF2B5EF4-FFF2-40B4-BE49-F238E27FC236}">
-                <a16:creationId xmlns:a16="http://schemas.microsoft.com/office/drawing/2014/main" id="{4474C98A-2CAF-44B2-9477-E3788469C502}"/>
+                <a16:creationId xmlns:a16="http://schemas.microsoft.com/office/drawing/2014/main" xmlns="" id="{4474C98A-2CAF-44B2-9477-E3788469C502}"/>
               </a:ext>
             </a:extLst>
           </p:cNvPr>
@@ -1911,7 +1911,7 @@
           <p:cNvPr id="3" name="Текст 2">
             <a:extLst>
               <a:ext uri="{FF2B5EF4-FFF2-40B4-BE49-F238E27FC236}">
-                <a16:creationId xmlns:a16="http://schemas.microsoft.com/office/drawing/2014/main" id="{E0F6CEA6-D68E-467D-B8C9-E5A6125D4590}"/>
+                <a16:creationId xmlns:a16="http://schemas.microsoft.com/office/drawing/2014/main" xmlns="" id="{E0F6CEA6-D68E-467D-B8C9-E5A6125D4590}"/>
               </a:ext>
             </a:extLst>
           </p:cNvPr>
@@ -1982,7 +1982,7 @@
           <p:cNvPr id="4" name="Объект 3">
             <a:extLst>
               <a:ext uri="{FF2B5EF4-FFF2-40B4-BE49-F238E27FC236}">
-                <a16:creationId xmlns:a16="http://schemas.microsoft.com/office/drawing/2014/main" id="{B37E72E5-735A-4924-B2DA-59346E87AD18}"/>
+                <a16:creationId xmlns:a16="http://schemas.microsoft.com/office/drawing/2014/main" xmlns="" id="{B37E72E5-735A-4924-B2DA-59346E87AD18}"/>
               </a:ext>
             </a:extLst>
           </p:cNvPr>
@@ -2044,7 +2044,7 @@
           <p:cNvPr id="5" name="Текст 4">
             <a:extLst>
               <a:ext uri="{FF2B5EF4-FFF2-40B4-BE49-F238E27FC236}">
-                <a16:creationId xmlns:a16="http://schemas.microsoft.com/office/drawing/2014/main" id="{9E34098F-4478-4F42-93D4-D66A37F1B1C2}"/>
+                <a16:creationId xmlns:a16="http://schemas.microsoft.com/office/drawing/2014/main" xmlns="" id="{9E34098F-4478-4F42-93D4-D66A37F1B1C2}"/>
               </a:ext>
             </a:extLst>
           </p:cNvPr>
@@ -2115,7 +2115,7 @@
           <p:cNvPr id="6" name="Объект 5">
             <a:extLst>
               <a:ext uri="{FF2B5EF4-FFF2-40B4-BE49-F238E27FC236}">
-                <a16:creationId xmlns:a16="http://schemas.microsoft.com/office/drawing/2014/main" id="{826F04C2-DEA7-45AE-9F25-77506DAC1BD9}"/>
+                <a16:creationId xmlns:a16="http://schemas.microsoft.com/office/drawing/2014/main" xmlns="" id="{826F04C2-DEA7-45AE-9F25-77506DAC1BD9}"/>
               </a:ext>
             </a:extLst>
           </p:cNvPr>
@@ -2177,7 +2177,7 @@
           <p:cNvPr id="7" name="Дата 6">
             <a:extLst>
               <a:ext uri="{FF2B5EF4-FFF2-40B4-BE49-F238E27FC236}">
-                <a16:creationId xmlns:a16="http://schemas.microsoft.com/office/drawing/2014/main" id="{65201BC9-631A-4E8C-81BE-B8D560017AE1}"/>
+                <a16:creationId xmlns:a16="http://schemas.microsoft.com/office/drawing/2014/main" xmlns="" id="{65201BC9-631A-4E8C-81BE-B8D560017AE1}"/>
               </a:ext>
             </a:extLst>
           </p:cNvPr>
@@ -2195,7 +2195,7 @@
           <a:p>
             <a:fld id="{B6385C0F-8157-4FEC-ABB1-3D3F8B94A305}" type="datetime1">
               <a:rPr lang="ru-RU" smtClean="0"/>
-              <a:t>26.11.2022</a:t>
+              <a:t>09.12.2022</a:t>
             </a:fld>
             <a:endParaRPr lang="ru-RU"/>
           </a:p>
@@ -2206,7 +2206,7 @@
           <p:cNvPr id="8" name="Нижний колонтитул 7">
             <a:extLst>
               <a:ext uri="{FF2B5EF4-FFF2-40B4-BE49-F238E27FC236}">
-                <a16:creationId xmlns:a16="http://schemas.microsoft.com/office/drawing/2014/main" id="{1EC322DC-1FE0-41A5-B07C-4787D5672A96}"/>
+                <a16:creationId xmlns:a16="http://schemas.microsoft.com/office/drawing/2014/main" xmlns="" id="{1EC322DC-1FE0-41A5-B07C-4787D5672A96}"/>
               </a:ext>
             </a:extLst>
           </p:cNvPr>
@@ -2231,7 +2231,7 @@
           <p:cNvPr id="9" name="Номер слайда 8">
             <a:extLst>
               <a:ext uri="{FF2B5EF4-FFF2-40B4-BE49-F238E27FC236}">
-                <a16:creationId xmlns:a16="http://schemas.microsoft.com/office/drawing/2014/main" id="{C1F409A5-A52E-4538-B862-F00B96A89E09}"/>
+                <a16:creationId xmlns:a16="http://schemas.microsoft.com/office/drawing/2014/main" xmlns="" id="{C1F409A5-A52E-4538-B862-F00B96A89E09}"/>
               </a:ext>
             </a:extLst>
           </p:cNvPr>
@@ -2293,7 +2293,7 @@
           <p:cNvPr id="2" name="Заголовок 1">
             <a:extLst>
               <a:ext uri="{FF2B5EF4-FFF2-40B4-BE49-F238E27FC236}">
-                <a16:creationId xmlns:a16="http://schemas.microsoft.com/office/drawing/2014/main" id="{475F4C79-E243-477C-A52D-B0D43D94006C}"/>
+                <a16:creationId xmlns:a16="http://schemas.microsoft.com/office/drawing/2014/main" xmlns="" id="{475F4C79-E243-477C-A52D-B0D43D94006C}"/>
               </a:ext>
             </a:extLst>
           </p:cNvPr>
@@ -2321,7 +2321,7 @@
           <p:cNvPr id="3" name="Дата 2">
             <a:extLst>
               <a:ext uri="{FF2B5EF4-FFF2-40B4-BE49-F238E27FC236}">
-                <a16:creationId xmlns:a16="http://schemas.microsoft.com/office/drawing/2014/main" id="{5AFC8143-1CE8-4E3A-B1B8-9CAD4CDCD43C}"/>
+                <a16:creationId xmlns:a16="http://schemas.microsoft.com/office/drawing/2014/main" xmlns="" id="{5AFC8143-1CE8-4E3A-B1B8-9CAD4CDCD43C}"/>
               </a:ext>
             </a:extLst>
           </p:cNvPr>
@@ -2339,7 +2339,7 @@
           <a:p>
             <a:fld id="{AEC0A708-D6C5-42FA-BB77-9709D19A2782}" type="datetime1">
               <a:rPr lang="ru-RU" smtClean="0"/>
-              <a:t>26.11.2022</a:t>
+              <a:t>09.12.2022</a:t>
             </a:fld>
             <a:endParaRPr lang="ru-RU"/>
           </a:p>
@@ -2350,7 +2350,7 @@
           <p:cNvPr id="4" name="Нижний колонтитул 3">
             <a:extLst>
               <a:ext uri="{FF2B5EF4-FFF2-40B4-BE49-F238E27FC236}">
-                <a16:creationId xmlns:a16="http://schemas.microsoft.com/office/drawing/2014/main" id="{7984734D-9FEB-4F82-A51C-70E774F50DE0}"/>
+                <a16:creationId xmlns:a16="http://schemas.microsoft.com/office/drawing/2014/main" xmlns="" id="{7984734D-9FEB-4F82-A51C-70E774F50DE0}"/>
               </a:ext>
             </a:extLst>
           </p:cNvPr>
@@ -2375,7 +2375,7 @@
           <p:cNvPr id="5" name="Номер слайда 4">
             <a:extLst>
               <a:ext uri="{FF2B5EF4-FFF2-40B4-BE49-F238E27FC236}">
-                <a16:creationId xmlns:a16="http://schemas.microsoft.com/office/drawing/2014/main" id="{B9DC6891-77BA-49D7-93C7-34FA1E662E35}"/>
+                <a16:creationId xmlns:a16="http://schemas.microsoft.com/office/drawing/2014/main" xmlns="" id="{B9DC6891-77BA-49D7-93C7-34FA1E662E35}"/>
               </a:ext>
             </a:extLst>
           </p:cNvPr>
@@ -2437,7 +2437,7 @@
           <p:cNvPr id="2" name="Дата 1">
             <a:extLst>
               <a:ext uri="{FF2B5EF4-FFF2-40B4-BE49-F238E27FC236}">
-                <a16:creationId xmlns:a16="http://schemas.microsoft.com/office/drawing/2014/main" id="{0BD7FB82-7F3A-4F9B-AB29-72F9F9BAB470}"/>
+                <a16:creationId xmlns:a16="http://schemas.microsoft.com/office/drawing/2014/main" xmlns="" id="{0BD7FB82-7F3A-4F9B-AB29-72F9F9BAB470}"/>
               </a:ext>
             </a:extLst>
           </p:cNvPr>
@@ -2455,7 +2455,7 @@
           <a:p>
             <a:fld id="{72F5C32E-00C1-42AD-A2CB-BE64DF161166}" type="datetime1">
               <a:rPr lang="ru-RU" smtClean="0"/>
-              <a:t>26.11.2022</a:t>
+              <a:t>09.12.2022</a:t>
             </a:fld>
             <a:endParaRPr lang="ru-RU"/>
           </a:p>
@@ -2466,7 +2466,7 @@
           <p:cNvPr id="3" name="Нижний колонтитул 2">
             <a:extLst>
               <a:ext uri="{FF2B5EF4-FFF2-40B4-BE49-F238E27FC236}">
-                <a16:creationId xmlns:a16="http://schemas.microsoft.com/office/drawing/2014/main" id="{47E8B1B1-E2F6-4B5B-93D8-5085467394A7}"/>
+                <a16:creationId xmlns:a16="http://schemas.microsoft.com/office/drawing/2014/main" xmlns="" id="{47E8B1B1-E2F6-4B5B-93D8-5085467394A7}"/>
               </a:ext>
             </a:extLst>
           </p:cNvPr>
@@ -2491,7 +2491,7 @@
           <p:cNvPr id="4" name="Номер слайда 3">
             <a:extLst>
               <a:ext uri="{FF2B5EF4-FFF2-40B4-BE49-F238E27FC236}">
-                <a16:creationId xmlns:a16="http://schemas.microsoft.com/office/drawing/2014/main" id="{0A04A458-E603-454D-88A2-5DA0FD5CED0F}"/>
+                <a16:creationId xmlns:a16="http://schemas.microsoft.com/office/drawing/2014/main" xmlns="" id="{0A04A458-E603-454D-88A2-5DA0FD5CED0F}"/>
               </a:ext>
             </a:extLst>
           </p:cNvPr>
@@ -2553,7 +2553,7 @@
           <p:cNvPr id="2" name="Заголовок 1">
             <a:extLst>
               <a:ext uri="{FF2B5EF4-FFF2-40B4-BE49-F238E27FC236}">
-                <a16:creationId xmlns:a16="http://schemas.microsoft.com/office/drawing/2014/main" id="{ED1C3983-EBEB-47F2-B848-6BCC2F3385F1}"/>
+                <a16:creationId xmlns:a16="http://schemas.microsoft.com/office/drawing/2014/main" xmlns="" id="{ED1C3983-EBEB-47F2-B848-6BCC2F3385F1}"/>
               </a:ext>
             </a:extLst>
           </p:cNvPr>
@@ -2590,7 +2590,7 @@
           <p:cNvPr id="3" name="Объект 2">
             <a:extLst>
               <a:ext uri="{FF2B5EF4-FFF2-40B4-BE49-F238E27FC236}">
-                <a16:creationId xmlns:a16="http://schemas.microsoft.com/office/drawing/2014/main" id="{86F8A63E-4C8A-4C15-B382-AF4AAF0BF8E7}"/>
+                <a16:creationId xmlns:a16="http://schemas.microsoft.com/office/drawing/2014/main" xmlns="" id="{86F8A63E-4C8A-4C15-B382-AF4AAF0BF8E7}"/>
               </a:ext>
             </a:extLst>
           </p:cNvPr>
@@ -2680,7 +2680,7 @@
           <p:cNvPr id="4" name="Текст 3">
             <a:extLst>
               <a:ext uri="{FF2B5EF4-FFF2-40B4-BE49-F238E27FC236}">
-                <a16:creationId xmlns:a16="http://schemas.microsoft.com/office/drawing/2014/main" id="{25B90FCA-599E-4478-9F78-CA4581BD8E6C}"/>
+                <a16:creationId xmlns:a16="http://schemas.microsoft.com/office/drawing/2014/main" xmlns="" id="{25B90FCA-599E-4478-9F78-CA4581BD8E6C}"/>
               </a:ext>
             </a:extLst>
           </p:cNvPr>
@@ -2751,7 +2751,7 @@
           <p:cNvPr id="5" name="Дата 4">
             <a:extLst>
               <a:ext uri="{FF2B5EF4-FFF2-40B4-BE49-F238E27FC236}">
-                <a16:creationId xmlns:a16="http://schemas.microsoft.com/office/drawing/2014/main" id="{BF7CB31B-9902-47D4-BFA1-073B29B2FFA1}"/>
+                <a16:creationId xmlns:a16="http://schemas.microsoft.com/office/drawing/2014/main" xmlns="" id="{BF7CB31B-9902-47D4-BFA1-073B29B2FFA1}"/>
               </a:ext>
             </a:extLst>
           </p:cNvPr>
@@ -2769,7 +2769,7 @@
           <a:p>
             <a:fld id="{A54F0FE4-43A5-4FDD-B19E-1DADA79B53A3}" type="datetime1">
               <a:rPr lang="ru-RU" smtClean="0"/>
-              <a:t>26.11.2022</a:t>
+              <a:t>09.12.2022</a:t>
             </a:fld>
             <a:endParaRPr lang="ru-RU"/>
           </a:p>
@@ -2780,7 +2780,7 @@
           <p:cNvPr id="6" name="Нижний колонтитул 5">
             <a:extLst>
               <a:ext uri="{FF2B5EF4-FFF2-40B4-BE49-F238E27FC236}">
-                <a16:creationId xmlns:a16="http://schemas.microsoft.com/office/drawing/2014/main" id="{262E39C7-6B3C-444A-AB7B-C6C64B575E39}"/>
+                <a16:creationId xmlns:a16="http://schemas.microsoft.com/office/drawing/2014/main" xmlns="" id="{262E39C7-6B3C-444A-AB7B-C6C64B575E39}"/>
               </a:ext>
             </a:extLst>
           </p:cNvPr>
@@ -2805,7 +2805,7 @@
           <p:cNvPr id="7" name="Номер слайда 6">
             <a:extLst>
               <a:ext uri="{FF2B5EF4-FFF2-40B4-BE49-F238E27FC236}">
-                <a16:creationId xmlns:a16="http://schemas.microsoft.com/office/drawing/2014/main" id="{63A4F033-E71C-4087-B209-A070394AAAB6}"/>
+                <a16:creationId xmlns:a16="http://schemas.microsoft.com/office/drawing/2014/main" xmlns="" id="{63A4F033-E71C-4087-B209-A070394AAAB6}"/>
               </a:ext>
             </a:extLst>
           </p:cNvPr>
@@ -2867,7 +2867,7 @@
           <p:cNvPr id="2" name="Заголовок 1">
             <a:extLst>
               <a:ext uri="{FF2B5EF4-FFF2-40B4-BE49-F238E27FC236}">
-                <a16:creationId xmlns:a16="http://schemas.microsoft.com/office/drawing/2014/main" id="{6AB5419F-A650-4C2C-A2D5-4DC6FA5BCE62}"/>
+                <a16:creationId xmlns:a16="http://schemas.microsoft.com/office/drawing/2014/main" xmlns="" id="{6AB5419F-A650-4C2C-A2D5-4DC6FA5BCE62}"/>
               </a:ext>
             </a:extLst>
           </p:cNvPr>
@@ -2904,7 +2904,7 @@
           <p:cNvPr id="3" name="Рисунок 2">
             <a:extLst>
               <a:ext uri="{FF2B5EF4-FFF2-40B4-BE49-F238E27FC236}">
-                <a16:creationId xmlns:a16="http://schemas.microsoft.com/office/drawing/2014/main" id="{00C07954-7E2A-4311-948E-338D5BC3F3EB}"/>
+                <a16:creationId xmlns:a16="http://schemas.microsoft.com/office/drawing/2014/main" xmlns="" id="{00C07954-7E2A-4311-948E-338D5BC3F3EB}"/>
               </a:ext>
             </a:extLst>
           </p:cNvPr>
@@ -2971,7 +2971,7 @@
           <p:cNvPr id="4" name="Текст 3">
             <a:extLst>
               <a:ext uri="{FF2B5EF4-FFF2-40B4-BE49-F238E27FC236}">
-                <a16:creationId xmlns:a16="http://schemas.microsoft.com/office/drawing/2014/main" id="{2243BAFE-6DD4-4E92-869E-915D4A452FC4}"/>
+                <a16:creationId xmlns:a16="http://schemas.microsoft.com/office/drawing/2014/main" xmlns="" id="{2243BAFE-6DD4-4E92-869E-915D4A452FC4}"/>
               </a:ext>
             </a:extLst>
           </p:cNvPr>
@@ -3042,7 +3042,7 @@
           <p:cNvPr id="5" name="Дата 4">
             <a:extLst>
               <a:ext uri="{FF2B5EF4-FFF2-40B4-BE49-F238E27FC236}">
-                <a16:creationId xmlns:a16="http://schemas.microsoft.com/office/drawing/2014/main" id="{D7D9CB47-9204-40F9-BC07-FB1EB16CB1A8}"/>
+                <a16:creationId xmlns:a16="http://schemas.microsoft.com/office/drawing/2014/main" xmlns="" id="{D7D9CB47-9204-40F9-BC07-FB1EB16CB1A8}"/>
               </a:ext>
             </a:extLst>
           </p:cNvPr>
@@ -3060,7 +3060,7 @@
           <a:p>
             <a:fld id="{ED2E7586-DE42-4909-8942-18F2E5349D92}" type="datetime1">
               <a:rPr lang="ru-RU" smtClean="0"/>
-              <a:t>26.11.2022</a:t>
+              <a:t>09.12.2022</a:t>
             </a:fld>
             <a:endParaRPr lang="ru-RU"/>
           </a:p>
@@ -3071,7 +3071,7 @@
           <p:cNvPr id="6" name="Нижний колонтитул 5">
             <a:extLst>
               <a:ext uri="{FF2B5EF4-FFF2-40B4-BE49-F238E27FC236}">
-                <a16:creationId xmlns:a16="http://schemas.microsoft.com/office/drawing/2014/main" id="{588D1DE4-5B4E-4475-92FD-623955367188}"/>
+                <a16:creationId xmlns:a16="http://schemas.microsoft.com/office/drawing/2014/main" xmlns="" id="{588D1DE4-5B4E-4475-92FD-623955367188}"/>
               </a:ext>
             </a:extLst>
           </p:cNvPr>
@@ -3096,7 +3096,7 @@
           <p:cNvPr id="7" name="Номер слайда 6">
             <a:extLst>
               <a:ext uri="{FF2B5EF4-FFF2-40B4-BE49-F238E27FC236}">
-                <a16:creationId xmlns:a16="http://schemas.microsoft.com/office/drawing/2014/main" id="{9A30A1F5-0BB2-4DEA-8B27-6B71377B3727}"/>
+                <a16:creationId xmlns:a16="http://schemas.microsoft.com/office/drawing/2014/main" xmlns="" id="{9A30A1F5-0BB2-4DEA-8B27-6B71377B3727}"/>
               </a:ext>
             </a:extLst>
           </p:cNvPr>
@@ -3163,7 +3163,7 @@
           <p:cNvPr id="2" name="Заголовок 1">
             <a:extLst>
               <a:ext uri="{FF2B5EF4-FFF2-40B4-BE49-F238E27FC236}">
-                <a16:creationId xmlns:a16="http://schemas.microsoft.com/office/drawing/2014/main" id="{974064F5-6E23-491B-B7DF-0C8A92B0FF31}"/>
+                <a16:creationId xmlns:a16="http://schemas.microsoft.com/office/drawing/2014/main" xmlns="" id="{974064F5-6E23-491B-B7DF-0C8A92B0FF31}"/>
               </a:ext>
             </a:extLst>
           </p:cNvPr>
@@ -3201,7 +3201,7 @@
           <p:cNvPr id="3" name="Текст 2">
             <a:extLst>
               <a:ext uri="{FF2B5EF4-FFF2-40B4-BE49-F238E27FC236}">
-                <a16:creationId xmlns:a16="http://schemas.microsoft.com/office/drawing/2014/main" id="{B35E3E5E-0517-4B98-9501-AB67F169DB49}"/>
+                <a16:creationId xmlns:a16="http://schemas.microsoft.com/office/drawing/2014/main" xmlns="" id="{B35E3E5E-0517-4B98-9501-AB67F169DB49}"/>
               </a:ext>
             </a:extLst>
           </p:cNvPr>
@@ -3268,7 +3268,7 @@
           <p:cNvPr id="4" name="Дата 3">
             <a:extLst>
               <a:ext uri="{FF2B5EF4-FFF2-40B4-BE49-F238E27FC236}">
-                <a16:creationId xmlns:a16="http://schemas.microsoft.com/office/drawing/2014/main" id="{AC4994B0-37C6-4CF5-8D89-DF63AF791011}"/>
+                <a16:creationId xmlns:a16="http://schemas.microsoft.com/office/drawing/2014/main" xmlns="" id="{AC4994B0-37C6-4CF5-8D89-DF63AF791011}"/>
               </a:ext>
             </a:extLst>
           </p:cNvPr>
@@ -3304,7 +3304,7 @@
           <a:p>
             <a:fld id="{B89E4E5E-5216-4E98-A6F4-7B59448E29AD}" type="datetime1">
               <a:rPr lang="ru-RU" smtClean="0"/>
-              <a:t>26.11.2022</a:t>
+              <a:t>09.12.2022</a:t>
             </a:fld>
             <a:endParaRPr lang="ru-RU"/>
           </a:p>
@@ -3315,7 +3315,7 @@
           <p:cNvPr id="5" name="Нижний колонтитул 4">
             <a:extLst>
               <a:ext uri="{FF2B5EF4-FFF2-40B4-BE49-F238E27FC236}">
-                <a16:creationId xmlns:a16="http://schemas.microsoft.com/office/drawing/2014/main" id="{B6698C4B-DBEF-4026-8684-2D3C69B4573E}"/>
+                <a16:creationId xmlns:a16="http://schemas.microsoft.com/office/drawing/2014/main" xmlns="" id="{B6698C4B-DBEF-4026-8684-2D3C69B4573E}"/>
               </a:ext>
             </a:extLst>
           </p:cNvPr>
@@ -3358,7 +3358,7 @@
           <p:cNvPr id="6" name="Номер слайда 5">
             <a:extLst>
               <a:ext uri="{FF2B5EF4-FFF2-40B4-BE49-F238E27FC236}">
-                <a16:creationId xmlns:a16="http://schemas.microsoft.com/office/drawing/2014/main" id="{37C8EB76-13F0-47BC-AECF-3094C712E2EE}"/>
+                <a16:creationId xmlns:a16="http://schemas.microsoft.com/office/drawing/2014/main" xmlns="" id="{37C8EB76-13F0-47BC-AECF-3094C712E2EE}"/>
               </a:ext>
             </a:extLst>
           </p:cNvPr>
@@ -3730,7 +3730,7 @@
           <p:cNvPr id="4" name="Picture 8">
             <a:extLst>
               <a:ext uri="{FF2B5EF4-FFF2-40B4-BE49-F238E27FC236}">
-                <a16:creationId xmlns:a16="http://schemas.microsoft.com/office/drawing/2014/main" id="{838267A3-F155-450E-A70E-47CE4368E886}"/>
+                <a16:creationId xmlns:a16="http://schemas.microsoft.com/office/drawing/2014/main" xmlns="" id="{838267A3-F155-450E-A70E-47CE4368E886}"/>
               </a:ext>
             </a:extLst>
           </p:cNvPr>
@@ -3777,7 +3777,7 @@
           <p:cNvPr id="5" name="Rectangle 6">
             <a:extLst>
               <a:ext uri="{FF2B5EF4-FFF2-40B4-BE49-F238E27FC236}">
-                <a16:creationId xmlns:a16="http://schemas.microsoft.com/office/drawing/2014/main" id="{8616E03A-03F0-4CE6-9D30-7B5A00DA1010}"/>
+                <a16:creationId xmlns:a16="http://schemas.microsoft.com/office/drawing/2014/main" xmlns="" id="{8616E03A-03F0-4CE6-9D30-7B5A00DA1010}"/>
               </a:ext>
             </a:extLst>
           </p:cNvPr>
@@ -4711,7 +4711,7 @@
           <p:cNvPr id="2" name="Заголовок 1">
             <a:extLst>
               <a:ext uri="{FF2B5EF4-FFF2-40B4-BE49-F238E27FC236}">
-                <a16:creationId xmlns:a16="http://schemas.microsoft.com/office/drawing/2014/main" id="{FD2C2B75-3689-47F8-8E5F-C79D3D59633A}"/>
+                <a16:creationId xmlns:a16="http://schemas.microsoft.com/office/drawing/2014/main" xmlns="" id="{FD2C2B75-3689-47F8-8E5F-C79D3D59633A}"/>
               </a:ext>
             </a:extLst>
           </p:cNvPr>
@@ -4748,7 +4748,7 @@
           <p:cNvPr id="3" name="TextBox 2">
             <a:extLst>
               <a:ext uri="{FF2B5EF4-FFF2-40B4-BE49-F238E27FC236}">
-                <a16:creationId xmlns:a16="http://schemas.microsoft.com/office/drawing/2014/main" id="{E9165527-5290-4A4A-91A7-6D6250552D86}"/>
+                <a16:creationId xmlns:a16="http://schemas.microsoft.com/office/drawing/2014/main" xmlns="" id="{E9165527-5290-4A4A-91A7-6D6250552D86}"/>
               </a:ext>
             </a:extLst>
           </p:cNvPr>
@@ -4891,61 +4891,10 @@
       </p:sp>
       <p:sp>
         <p:nvSpPr>
-          <p:cNvPr id="9" name="TextBox 8">
-            <a:extLst>
-              <a:ext uri="{FF2B5EF4-FFF2-40B4-BE49-F238E27FC236}">
-                <a16:creationId xmlns:a16="http://schemas.microsoft.com/office/drawing/2014/main" id="{84F4893B-FA90-47F4-90C6-B667C2887417}"/>
-              </a:ext>
-            </a:extLst>
-          </p:cNvPr>
-          <p:cNvSpPr txBox="1"/>
-          <p:nvPr/>
-        </p:nvSpPr>
-        <p:spPr>
-          <a:xfrm>
-            <a:off x="5386387" y="5140673"/>
-            <a:ext cx="4648199" cy="400110"/>
-          </a:xfrm>
-          <a:prstGeom prst="rect">
-            <a:avLst/>
-          </a:prstGeom>
-          <a:noFill/>
-        </p:spPr>
-        <p:txBody>
-          <a:bodyPr wrap="square" rtlCol="0">
-            <a:spAutoFit/>
-          </a:bodyPr>
-          <a:lstStyle/>
-          <a:p>
-            <a:r>
-              <a:rPr lang="en-US" sz="2000" dirty="0">
-                <a:highlight>
-                  <a:srgbClr val="FF0000"/>
-                </a:highlight>
-                <a:latin typeface="Times New Roman" panose="02020603050405020304" pitchFamily="18" charset="0"/>
-                <a:cs typeface="Times New Roman" panose="02020603050405020304" pitchFamily="18" charset="0"/>
-              </a:rPr>
-              <a:t>URL </a:t>
-            </a:r>
-            <a:r>
-              <a:rPr lang="ru-RU" sz="2000" dirty="0">
-                <a:highlight>
-                  <a:srgbClr val="FF0000"/>
-                </a:highlight>
-                <a:latin typeface="Times New Roman" panose="02020603050405020304" pitchFamily="18" charset="0"/>
-                <a:cs typeface="Times New Roman" panose="02020603050405020304" pitchFamily="18" charset="0"/>
-              </a:rPr>
-              <a:t>хранилища с кодом: вставь ссылку</a:t>
-            </a:r>
-          </a:p>
-        </p:txBody>
-      </p:sp>
-      <p:sp>
-        <p:nvSpPr>
           <p:cNvPr id="6" name="Номер слайда 5">
             <a:extLst>
               <a:ext uri="{FF2B5EF4-FFF2-40B4-BE49-F238E27FC236}">
-                <a16:creationId xmlns:a16="http://schemas.microsoft.com/office/drawing/2014/main" id="{DC6D7763-49F8-4947-9526-6885B3697D54}"/>
+                <a16:creationId xmlns:a16="http://schemas.microsoft.com/office/drawing/2014/main" xmlns="" id="{DC6D7763-49F8-4947-9526-6885B3697D54}"/>
               </a:ext>
             </a:extLst>
           </p:cNvPr>
@@ -4969,55 +4918,59 @@
           </a:p>
         </p:txBody>
       </p:sp>
-      <p:sp>
-        <p:nvSpPr>
-          <p:cNvPr id="4" name="TextBox 3">
-            <a:extLst>
-              <a:ext uri="{FF2B5EF4-FFF2-40B4-BE49-F238E27FC236}">
-                <a16:creationId xmlns:a16="http://schemas.microsoft.com/office/drawing/2014/main" id="{3CBF8020-70F3-1ED0-1AED-A5F0D99D54F1}"/>
-              </a:ext>
-            </a:extLst>
-          </p:cNvPr>
-          <p:cNvSpPr txBox="1"/>
+      <p:pic>
+        <p:nvPicPr>
+          <p:cNvPr id="5" name="Рисунок 4"/>
+          <p:cNvPicPr>
+            <a:picLocks noChangeAspect="1"/>
+          </p:cNvPicPr>
           <p:nvPr/>
-        </p:nvSpPr>
+        </p:nvPicPr>
+        <p:blipFill>
+          <a:blip r:embed="rId2"/>
+          <a:stretch>
+            <a:fillRect/>
+          </a:stretch>
+        </p:blipFill>
         <p:spPr>
           <a:xfrm>
-            <a:off x="7153275" y="2440614"/>
-            <a:ext cx="4268156" cy="369332"/>
+            <a:off x="5721549" y="1161470"/>
+            <a:ext cx="5778102" cy="3852068"/>
           </a:xfrm>
           <a:prstGeom prst="rect">
             <a:avLst/>
           </a:prstGeom>
-          <a:noFill/>
         </p:spPr>
-        <p:txBody>
-          <a:bodyPr wrap="none" rtlCol="0">
+      </p:pic>
+      <p:sp>
+        <p:nvSpPr>
+          <p:cNvPr id="13" name="Прямоугольник 12"/>
+          <p:cNvSpPr/>
+          <p:nvPr/>
+        </p:nvSpPr>
+        <p:spPr>
+          <a:xfrm>
+            <a:off x="5562600" y="5086428"/>
+            <a:ext cx="6096000" cy="1015663"/>
+          </a:xfrm>
+          <a:prstGeom prst="rect">
+            <a:avLst/>
+          </a:prstGeom>
+        </p:spPr>
+        <p:txBody>
+          <a:bodyPr>
             <a:spAutoFit/>
           </a:bodyPr>
           <a:lstStyle/>
           <a:p>
-            <a:r>
-              <a:rPr lang="ru-RU" dirty="0">
-                <a:highlight>
-                  <a:srgbClr val="FF0000"/>
-                </a:highlight>
-              </a:rPr>
-              <a:t>Вставь сюда скрин репозитория с </a:t>
-            </a:r>
-            <a:r>
-              <a:rPr lang="ru-RU" dirty="0" err="1">
-                <a:highlight>
-                  <a:srgbClr val="FF0000"/>
-                </a:highlight>
-              </a:rPr>
-              <a:t>гитхаба</a:t>
-            </a:r>
-            <a:endParaRPr lang="ru-RU" dirty="0">
-              <a:highlight>
-                <a:srgbClr val="FF0000"/>
-              </a:highlight>
-            </a:endParaRPr>
+            <a:pPr algn="ctr"/>
+            <a:r>
+              <a:rPr lang="ru-RU" sz="2000" b="1" dirty="0">
+                <a:latin typeface="Times New Roman" panose="02020603050405020304" pitchFamily="18" charset="0"/>
+                <a:cs typeface="Times New Roman" panose="02020603050405020304" pitchFamily="18" charset="0"/>
+              </a:rPr>
+              <a:t>URL хранилища с кодом: https://github.com/Ivanbessmertnykh/Coursework_1sem_3course</a:t>
+            </a:r>
           </a:p>
         </p:txBody>
       </p:sp>
@@ -5059,7 +5012,7 @@
           <p:cNvPr id="2" name="Заголовок 1">
             <a:extLst>
               <a:ext uri="{FF2B5EF4-FFF2-40B4-BE49-F238E27FC236}">
-                <a16:creationId xmlns:a16="http://schemas.microsoft.com/office/drawing/2014/main" id="{5A445DB7-691E-4D1E-8617-561AC2538085}"/>
+                <a16:creationId xmlns:a16="http://schemas.microsoft.com/office/drawing/2014/main" xmlns="" id="{5A445DB7-691E-4D1E-8617-561AC2538085}"/>
               </a:ext>
             </a:extLst>
           </p:cNvPr>
@@ -5096,7 +5049,7 @@
           <p:cNvPr id="4" name="Номер слайда 3">
             <a:extLst>
               <a:ext uri="{FF2B5EF4-FFF2-40B4-BE49-F238E27FC236}">
-                <a16:creationId xmlns:a16="http://schemas.microsoft.com/office/drawing/2014/main" id="{FD11DC48-859D-4634-A339-07554C714B9B}"/>
+                <a16:creationId xmlns:a16="http://schemas.microsoft.com/office/drawing/2014/main" xmlns="" id="{FD11DC48-859D-4634-A339-07554C714B9B}"/>
               </a:ext>
             </a:extLst>
           </p:cNvPr>
@@ -5158,7 +5111,7 @@
           <p:cNvPr id="2" name="Заголовок 1">
             <a:extLst>
               <a:ext uri="{FF2B5EF4-FFF2-40B4-BE49-F238E27FC236}">
-                <a16:creationId xmlns:a16="http://schemas.microsoft.com/office/drawing/2014/main" id="{2D1E995C-81AD-4820-8E31-AEF5216ADDE6}"/>
+                <a16:creationId xmlns:a16="http://schemas.microsoft.com/office/drawing/2014/main" xmlns="" id="{2D1E995C-81AD-4820-8E31-AEF5216ADDE6}"/>
               </a:ext>
             </a:extLst>
           </p:cNvPr>
@@ -5195,7 +5148,7 @@
           <p:cNvPr id="3" name="TextBox 2">
             <a:extLst>
               <a:ext uri="{FF2B5EF4-FFF2-40B4-BE49-F238E27FC236}">
-                <a16:creationId xmlns:a16="http://schemas.microsoft.com/office/drawing/2014/main" id="{D6B3EAE4-3018-4AAF-8792-77E2F316A0FC}"/>
+                <a16:creationId xmlns:a16="http://schemas.microsoft.com/office/drawing/2014/main" xmlns="" id="{D6B3EAE4-3018-4AAF-8792-77E2F316A0FC}"/>
               </a:ext>
             </a:extLst>
           </p:cNvPr>
@@ -5352,7 +5305,7 @@
           <p:cNvPr id="5" name="Номер слайда 4">
             <a:extLst>
               <a:ext uri="{FF2B5EF4-FFF2-40B4-BE49-F238E27FC236}">
-                <a16:creationId xmlns:a16="http://schemas.microsoft.com/office/drawing/2014/main" id="{9574A3B9-F310-46E4-B875-5A84EB2678AC}"/>
+                <a16:creationId xmlns:a16="http://schemas.microsoft.com/office/drawing/2014/main" xmlns="" id="{9574A3B9-F310-46E4-B875-5A84EB2678AC}"/>
               </a:ext>
             </a:extLst>
           </p:cNvPr>
@@ -5414,7 +5367,7 @@
           <p:cNvPr id="2" name="Заголовок 1">
             <a:extLst>
               <a:ext uri="{FF2B5EF4-FFF2-40B4-BE49-F238E27FC236}">
-                <a16:creationId xmlns:a16="http://schemas.microsoft.com/office/drawing/2014/main" id="{2762CC58-D5E9-67A8-5B78-0CD8BFBE33CA}"/>
+                <a16:creationId xmlns:a16="http://schemas.microsoft.com/office/drawing/2014/main" xmlns="" id="{2762CC58-D5E9-67A8-5B78-0CD8BFBE33CA}"/>
               </a:ext>
             </a:extLst>
           </p:cNvPr>
@@ -5453,7 +5406,7 @@
           <p:cNvPr id="3" name="Номер слайда 2">
             <a:extLst>
               <a:ext uri="{FF2B5EF4-FFF2-40B4-BE49-F238E27FC236}">
-                <a16:creationId xmlns:a16="http://schemas.microsoft.com/office/drawing/2014/main" id="{9D4D479B-3737-75D4-9718-482E65C69047}"/>
+                <a16:creationId xmlns:a16="http://schemas.microsoft.com/office/drawing/2014/main" xmlns="" id="{9D4D479B-3737-75D4-9718-482E65C69047}"/>
               </a:ext>
             </a:extLst>
           </p:cNvPr>
@@ -5482,7 +5435,7 @@
           <p:cNvPr id="4" name="TextBox 3">
             <a:extLst>
               <a:ext uri="{FF2B5EF4-FFF2-40B4-BE49-F238E27FC236}">
-                <a16:creationId xmlns:a16="http://schemas.microsoft.com/office/drawing/2014/main" id="{B53F9685-C7AF-2673-2478-1BFC506A58AC}"/>
+                <a16:creationId xmlns:a16="http://schemas.microsoft.com/office/drawing/2014/main" xmlns="" id="{B53F9685-C7AF-2673-2478-1BFC506A58AC}"/>
               </a:ext>
             </a:extLst>
           </p:cNvPr>
@@ -5807,7 +5760,7 @@
           <p:cNvPr id="2" name="Заголовок 1">
             <a:extLst>
               <a:ext uri="{FF2B5EF4-FFF2-40B4-BE49-F238E27FC236}">
-                <a16:creationId xmlns:a16="http://schemas.microsoft.com/office/drawing/2014/main" id="{A591A083-9885-446B-8606-BB795FA7B3A8}"/>
+                <a16:creationId xmlns:a16="http://schemas.microsoft.com/office/drawing/2014/main" xmlns="" id="{A591A083-9885-446B-8606-BB795FA7B3A8}"/>
               </a:ext>
             </a:extLst>
           </p:cNvPr>
@@ -5844,7 +5797,7 @@
           <p:cNvPr id="3" name="TextBox 2">
             <a:extLst>
               <a:ext uri="{FF2B5EF4-FFF2-40B4-BE49-F238E27FC236}">
-                <a16:creationId xmlns:a16="http://schemas.microsoft.com/office/drawing/2014/main" id="{5000AABA-BEBA-4519-80B6-F9E1FDB3568D}"/>
+                <a16:creationId xmlns:a16="http://schemas.microsoft.com/office/drawing/2014/main" xmlns="" id="{5000AABA-BEBA-4519-80B6-F9E1FDB3568D}"/>
               </a:ext>
             </a:extLst>
           </p:cNvPr>
@@ -6143,7 +6096,7 @@
           <p:cNvPr id="5" name="Номер слайда 4">
             <a:extLst>
               <a:ext uri="{FF2B5EF4-FFF2-40B4-BE49-F238E27FC236}">
-                <a16:creationId xmlns:a16="http://schemas.microsoft.com/office/drawing/2014/main" id="{ECE8DF45-F71D-4AC2-BB13-1B14F3E69618}"/>
+                <a16:creationId xmlns:a16="http://schemas.microsoft.com/office/drawing/2014/main" xmlns="" id="{ECE8DF45-F71D-4AC2-BB13-1B14F3E69618}"/>
               </a:ext>
             </a:extLst>
           </p:cNvPr>
@@ -6205,7 +6158,7 @@
           <p:cNvPr id="19" name="Прямоугольник 18">
             <a:extLst>
               <a:ext uri="{FF2B5EF4-FFF2-40B4-BE49-F238E27FC236}">
-                <a16:creationId xmlns:a16="http://schemas.microsoft.com/office/drawing/2014/main" id="{E2B2DEF8-B5D1-E4F4-FDCC-4B49085F2314}"/>
+                <a16:creationId xmlns:a16="http://schemas.microsoft.com/office/drawing/2014/main" xmlns="" id="{E2B2DEF8-B5D1-E4F4-FDCC-4B49085F2314}"/>
               </a:ext>
             </a:extLst>
           </p:cNvPr>
@@ -6252,7 +6205,7 @@
           <p:cNvPr id="2" name="Заголовок 1">
             <a:extLst>
               <a:ext uri="{FF2B5EF4-FFF2-40B4-BE49-F238E27FC236}">
-                <a16:creationId xmlns:a16="http://schemas.microsoft.com/office/drawing/2014/main" id="{AEEA2BC4-2BFC-A87D-F238-05954A9755D6}"/>
+                <a16:creationId xmlns:a16="http://schemas.microsoft.com/office/drawing/2014/main" xmlns="" id="{AEEA2BC4-2BFC-A87D-F238-05954A9755D6}"/>
               </a:ext>
             </a:extLst>
           </p:cNvPr>
@@ -6289,7 +6242,7 @@
           <p:cNvPr id="3" name="Номер слайда 2">
             <a:extLst>
               <a:ext uri="{FF2B5EF4-FFF2-40B4-BE49-F238E27FC236}">
-                <a16:creationId xmlns:a16="http://schemas.microsoft.com/office/drawing/2014/main" id="{30398A01-A3DF-EB2A-405E-841BE69D2B0C}"/>
+                <a16:creationId xmlns:a16="http://schemas.microsoft.com/office/drawing/2014/main" xmlns="" id="{30398A01-A3DF-EB2A-405E-841BE69D2B0C}"/>
               </a:ext>
             </a:extLst>
           </p:cNvPr>
@@ -6318,7 +6271,7 @@
           <p:cNvPr id="4" name="TextBox 3">
             <a:extLst>
               <a:ext uri="{FF2B5EF4-FFF2-40B4-BE49-F238E27FC236}">
-                <a16:creationId xmlns:a16="http://schemas.microsoft.com/office/drawing/2014/main" id="{48E4FF86-D9A8-1FB3-929C-7967B78C947C}"/>
+                <a16:creationId xmlns:a16="http://schemas.microsoft.com/office/drawing/2014/main" xmlns="" id="{48E4FF86-D9A8-1FB3-929C-7967B78C947C}"/>
               </a:ext>
             </a:extLst>
           </p:cNvPr>
@@ -6509,7 +6462,7 @@
           <p:cNvPr id="5" name="Прямоугольник 4">
             <a:extLst>
               <a:ext uri="{FF2B5EF4-FFF2-40B4-BE49-F238E27FC236}">
-                <a16:creationId xmlns:a16="http://schemas.microsoft.com/office/drawing/2014/main" id="{B71A421C-81EC-00C0-9C56-87A354951230}"/>
+                <a16:creationId xmlns:a16="http://schemas.microsoft.com/office/drawing/2014/main" xmlns="" id="{B71A421C-81EC-00C0-9C56-87A354951230}"/>
               </a:ext>
             </a:extLst>
           </p:cNvPr>
@@ -6558,7 +6511,7 @@
           <p:cNvPr id="6" name="Прямоугольник 5">
             <a:extLst>
               <a:ext uri="{FF2B5EF4-FFF2-40B4-BE49-F238E27FC236}">
-                <a16:creationId xmlns:a16="http://schemas.microsoft.com/office/drawing/2014/main" id="{C127D131-7D95-38D4-5492-BB73848E4B5A}"/>
+                <a16:creationId xmlns:a16="http://schemas.microsoft.com/office/drawing/2014/main" xmlns="" id="{C127D131-7D95-38D4-5492-BB73848E4B5A}"/>
               </a:ext>
             </a:extLst>
           </p:cNvPr>
@@ -6607,7 +6560,7 @@
           <p:cNvPr id="7" name="Прямоугольник 6">
             <a:extLst>
               <a:ext uri="{FF2B5EF4-FFF2-40B4-BE49-F238E27FC236}">
-                <a16:creationId xmlns:a16="http://schemas.microsoft.com/office/drawing/2014/main" id="{3640B093-434D-3BC3-7A5D-1CD325BD88FA}"/>
+                <a16:creationId xmlns:a16="http://schemas.microsoft.com/office/drawing/2014/main" xmlns="" id="{3640B093-434D-3BC3-7A5D-1CD325BD88FA}"/>
               </a:ext>
             </a:extLst>
           </p:cNvPr>
@@ -6656,7 +6609,7 @@
           <p:cNvPr id="11" name="Прямая со стрелкой 10">
             <a:extLst>
               <a:ext uri="{FF2B5EF4-FFF2-40B4-BE49-F238E27FC236}">
-                <a16:creationId xmlns:a16="http://schemas.microsoft.com/office/drawing/2014/main" id="{0C13509C-336B-4AD5-E706-EF944A5777AE}"/>
+                <a16:creationId xmlns:a16="http://schemas.microsoft.com/office/drawing/2014/main" xmlns="" id="{0C13509C-336B-4AD5-E706-EF944A5777AE}"/>
               </a:ext>
             </a:extLst>
           </p:cNvPr>
@@ -6697,7 +6650,7 @@
           <p:cNvPr id="13" name="Прямая со стрелкой 12">
             <a:extLst>
               <a:ext uri="{FF2B5EF4-FFF2-40B4-BE49-F238E27FC236}">
-                <a16:creationId xmlns:a16="http://schemas.microsoft.com/office/drawing/2014/main" id="{5EFA465A-790C-7E47-925F-FE7796523C84}"/>
+                <a16:creationId xmlns:a16="http://schemas.microsoft.com/office/drawing/2014/main" xmlns="" id="{5EFA465A-790C-7E47-925F-FE7796523C84}"/>
               </a:ext>
             </a:extLst>
           </p:cNvPr>
@@ -6736,7 +6689,7 @@
           <p:cNvPr id="15" name="Прямая со стрелкой 14">
             <a:extLst>
               <a:ext uri="{FF2B5EF4-FFF2-40B4-BE49-F238E27FC236}">
-                <a16:creationId xmlns:a16="http://schemas.microsoft.com/office/drawing/2014/main" id="{0E1BD2D6-A28D-ECE8-511A-DC25D35EB862}"/>
+                <a16:creationId xmlns:a16="http://schemas.microsoft.com/office/drawing/2014/main" xmlns="" id="{0E1BD2D6-A28D-ECE8-511A-DC25D35EB862}"/>
               </a:ext>
             </a:extLst>
           </p:cNvPr>
@@ -6775,7 +6728,7 @@
           <p:cNvPr id="17" name="Прямая со стрелкой 16">
             <a:extLst>
               <a:ext uri="{FF2B5EF4-FFF2-40B4-BE49-F238E27FC236}">
-                <a16:creationId xmlns:a16="http://schemas.microsoft.com/office/drawing/2014/main" id="{15ECD931-7B92-8C53-F770-8112ECDBAC05}"/>
+                <a16:creationId xmlns:a16="http://schemas.microsoft.com/office/drawing/2014/main" xmlns="" id="{15ECD931-7B92-8C53-F770-8112ECDBAC05}"/>
               </a:ext>
             </a:extLst>
           </p:cNvPr>
@@ -6850,7 +6803,7 @@
           <p:cNvPr id="2" name="Заголовок 1">
             <a:extLst>
               <a:ext uri="{FF2B5EF4-FFF2-40B4-BE49-F238E27FC236}">
-                <a16:creationId xmlns:a16="http://schemas.microsoft.com/office/drawing/2014/main" id="{AC8CE0F0-9FF1-0DFD-3C57-6FB5141928CE}"/>
+                <a16:creationId xmlns:a16="http://schemas.microsoft.com/office/drawing/2014/main" xmlns="" id="{AC8CE0F0-9FF1-0DFD-3C57-6FB5141928CE}"/>
               </a:ext>
             </a:extLst>
           </p:cNvPr>
@@ -6889,7 +6842,7 @@
           <p:cNvPr id="3" name="Номер слайда 2">
             <a:extLst>
               <a:ext uri="{FF2B5EF4-FFF2-40B4-BE49-F238E27FC236}">
-                <a16:creationId xmlns:a16="http://schemas.microsoft.com/office/drawing/2014/main" id="{EF399046-C0D4-1A71-EC33-B77F350A373C}"/>
+                <a16:creationId xmlns:a16="http://schemas.microsoft.com/office/drawing/2014/main" xmlns="" id="{EF399046-C0D4-1A71-EC33-B77F350A373C}"/>
               </a:ext>
             </a:extLst>
           </p:cNvPr>
@@ -6918,7 +6871,7 @@
           <p:cNvPr id="4" name="Рисунок 3">
             <a:extLst>
               <a:ext uri="{FF2B5EF4-FFF2-40B4-BE49-F238E27FC236}">
-                <a16:creationId xmlns:a16="http://schemas.microsoft.com/office/drawing/2014/main" id="{D451754E-E549-937F-8069-D117C7131E1B}"/>
+                <a16:creationId xmlns:a16="http://schemas.microsoft.com/office/drawing/2014/main" xmlns="" id="{D451754E-E549-937F-8069-D117C7131E1B}"/>
               </a:ext>
             </a:extLst>
           </p:cNvPr>
@@ -6959,7 +6912,7 @@
           <p:cNvPr id="5" name="TextBox 4">
             <a:extLst>
               <a:ext uri="{FF2B5EF4-FFF2-40B4-BE49-F238E27FC236}">
-                <a16:creationId xmlns:a16="http://schemas.microsoft.com/office/drawing/2014/main" id="{0972B644-8E5C-D78F-8DD1-7EDC5835E7A0}"/>
+                <a16:creationId xmlns:a16="http://schemas.microsoft.com/office/drawing/2014/main" xmlns="" id="{0972B644-8E5C-D78F-8DD1-7EDC5835E7A0}"/>
               </a:ext>
             </a:extLst>
           </p:cNvPr>
@@ -7030,7 +6983,7 @@
           <p:cNvPr id="2" name="Заголовок 1">
             <a:extLst>
               <a:ext uri="{FF2B5EF4-FFF2-40B4-BE49-F238E27FC236}">
-                <a16:creationId xmlns:a16="http://schemas.microsoft.com/office/drawing/2014/main" id="{2A48EC7D-35F6-4B6D-ADB7-97F373E22F66}"/>
+                <a16:creationId xmlns:a16="http://schemas.microsoft.com/office/drawing/2014/main" xmlns="" id="{2A48EC7D-35F6-4B6D-ADB7-97F373E22F66}"/>
               </a:ext>
             </a:extLst>
           </p:cNvPr>
@@ -7067,7 +7020,7 @@
           <p:cNvPr id="3" name="TextBox 2">
             <a:extLst>
               <a:ext uri="{FF2B5EF4-FFF2-40B4-BE49-F238E27FC236}">
-                <a16:creationId xmlns:a16="http://schemas.microsoft.com/office/drawing/2014/main" id="{6B18C5D5-200C-4DA1-8FC8-79520147A36A}"/>
+                <a16:creationId xmlns:a16="http://schemas.microsoft.com/office/drawing/2014/main" xmlns="" id="{6B18C5D5-200C-4DA1-8FC8-79520147A36A}"/>
               </a:ext>
             </a:extLst>
           </p:cNvPr>
@@ -7105,7 +7058,7 @@
           <p:cNvPr id="5" name="Номер слайда 4">
             <a:extLst>
               <a:ext uri="{FF2B5EF4-FFF2-40B4-BE49-F238E27FC236}">
-                <a16:creationId xmlns:a16="http://schemas.microsoft.com/office/drawing/2014/main" id="{D38F5D01-685A-4C78-9E72-F5F0D36E6251}"/>
+                <a16:creationId xmlns:a16="http://schemas.microsoft.com/office/drawing/2014/main" xmlns="" id="{D38F5D01-685A-4C78-9E72-F5F0D36E6251}"/>
               </a:ext>
             </a:extLst>
           </p:cNvPr>
@@ -7134,7 +7087,7 @@
           <p:cNvPr id="4" name="Рисунок 3">
             <a:extLst>
               <a:ext uri="{FF2B5EF4-FFF2-40B4-BE49-F238E27FC236}">
-                <a16:creationId xmlns:a16="http://schemas.microsoft.com/office/drawing/2014/main" id="{8562A150-94B9-AD7E-D8A9-0D05FF73B370}"/>
+                <a16:creationId xmlns:a16="http://schemas.microsoft.com/office/drawing/2014/main" xmlns="" id="{8562A150-94B9-AD7E-D8A9-0D05FF73B370}"/>
               </a:ext>
             </a:extLst>
           </p:cNvPr>
@@ -7208,7 +7161,7 @@
           <p:cNvPr id="2" name="Заголовок 1">
             <a:extLst>
               <a:ext uri="{FF2B5EF4-FFF2-40B4-BE49-F238E27FC236}">
-                <a16:creationId xmlns:a16="http://schemas.microsoft.com/office/drawing/2014/main" id="{D8B958B5-753C-4189-99F7-085424D32557}"/>
+                <a16:creationId xmlns:a16="http://schemas.microsoft.com/office/drawing/2014/main" xmlns="" id="{D8B958B5-753C-4189-99F7-085424D32557}"/>
               </a:ext>
             </a:extLst>
           </p:cNvPr>
@@ -7245,7 +7198,7 @@
           <p:cNvPr id="3" name="TextBox 2">
             <a:extLst>
               <a:ext uri="{FF2B5EF4-FFF2-40B4-BE49-F238E27FC236}">
-                <a16:creationId xmlns:a16="http://schemas.microsoft.com/office/drawing/2014/main" id="{D50BECDD-C823-4F8C-BEDB-21B0C2E24AC8}"/>
+                <a16:creationId xmlns:a16="http://schemas.microsoft.com/office/drawing/2014/main" xmlns="" id="{D50BECDD-C823-4F8C-BEDB-21B0C2E24AC8}"/>
               </a:ext>
             </a:extLst>
           </p:cNvPr>
@@ -7283,7 +7236,7 @@
           <p:cNvPr id="5" name="Номер слайда 4">
             <a:extLst>
               <a:ext uri="{FF2B5EF4-FFF2-40B4-BE49-F238E27FC236}">
-                <a16:creationId xmlns:a16="http://schemas.microsoft.com/office/drawing/2014/main" id="{F0487624-654F-400B-A35D-FE80C5B3A85F}"/>
+                <a16:creationId xmlns:a16="http://schemas.microsoft.com/office/drawing/2014/main" xmlns="" id="{F0487624-654F-400B-A35D-FE80C5B3A85F}"/>
               </a:ext>
             </a:extLst>
           </p:cNvPr>
@@ -7312,7 +7265,7 @@
           <p:cNvPr id="4" name="Рисунок 3">
             <a:extLst>
               <a:ext uri="{FF2B5EF4-FFF2-40B4-BE49-F238E27FC236}">
-                <a16:creationId xmlns:a16="http://schemas.microsoft.com/office/drawing/2014/main" id="{3E4EC69F-4FE5-E007-5881-273B74B1B837}"/>
+                <a16:creationId xmlns:a16="http://schemas.microsoft.com/office/drawing/2014/main" xmlns="" id="{3E4EC69F-4FE5-E007-5881-273B74B1B837}"/>
               </a:ext>
             </a:extLst>
           </p:cNvPr>
@@ -7389,7 +7342,7 @@
           <p:cNvPr id="2" name="Заголовок 1">
             <a:extLst>
               <a:ext uri="{FF2B5EF4-FFF2-40B4-BE49-F238E27FC236}">
-                <a16:creationId xmlns:a16="http://schemas.microsoft.com/office/drawing/2014/main" id="{0735C3CA-DBFE-22CA-254E-22F6736AA58E}"/>
+                <a16:creationId xmlns:a16="http://schemas.microsoft.com/office/drawing/2014/main" xmlns="" id="{0735C3CA-DBFE-22CA-254E-22F6736AA58E}"/>
               </a:ext>
             </a:extLst>
           </p:cNvPr>
@@ -7426,7 +7379,7 @@
           <p:cNvPr id="3" name="Номер слайда 2">
             <a:extLst>
               <a:ext uri="{FF2B5EF4-FFF2-40B4-BE49-F238E27FC236}">
-                <a16:creationId xmlns:a16="http://schemas.microsoft.com/office/drawing/2014/main" id="{AF8DA002-6906-8E01-D5C6-DD08FC855553}"/>
+                <a16:creationId xmlns:a16="http://schemas.microsoft.com/office/drawing/2014/main" xmlns="" id="{AF8DA002-6906-8E01-D5C6-DD08FC855553}"/>
               </a:ext>
             </a:extLst>
           </p:cNvPr>
@@ -7455,7 +7408,7 @@
           <p:cNvPr id="5" name="TextBox 4">
             <a:extLst>
               <a:ext uri="{FF2B5EF4-FFF2-40B4-BE49-F238E27FC236}">
-                <a16:creationId xmlns:a16="http://schemas.microsoft.com/office/drawing/2014/main" id="{A9FF9DEF-4528-4A60-521D-E56C243A2B63}"/>
+                <a16:creationId xmlns:a16="http://schemas.microsoft.com/office/drawing/2014/main" xmlns="" id="{A9FF9DEF-4528-4A60-521D-E56C243A2B63}"/>
               </a:ext>
             </a:extLst>
           </p:cNvPr>
@@ -7493,7 +7446,7 @@
           <p:cNvPr id="6" name="Рисунок 5">
             <a:extLst>
               <a:ext uri="{FF2B5EF4-FFF2-40B4-BE49-F238E27FC236}">
-                <a16:creationId xmlns:a16="http://schemas.microsoft.com/office/drawing/2014/main" id="{5B83AB34-D2FD-4697-7271-1E24110A66D1}"/>
+                <a16:creationId xmlns:a16="http://schemas.microsoft.com/office/drawing/2014/main" xmlns="" id="{5B83AB34-D2FD-4697-7271-1E24110A66D1}"/>
               </a:ext>
             </a:extLst>
           </p:cNvPr>
@@ -7534,7 +7487,7 @@
           <p:cNvPr id="7" name="Рисунок 6">
             <a:extLst>
               <a:ext uri="{FF2B5EF4-FFF2-40B4-BE49-F238E27FC236}">
-                <a16:creationId xmlns:a16="http://schemas.microsoft.com/office/drawing/2014/main" id="{78AF8E72-9597-33B1-D34E-A7BBA8779FA8}"/>
+                <a16:creationId xmlns:a16="http://schemas.microsoft.com/office/drawing/2014/main" xmlns="" id="{78AF8E72-9597-33B1-D34E-A7BBA8779FA8}"/>
               </a:ext>
             </a:extLst>
           </p:cNvPr>
